--- a/android/layout/linear/doc/slides.pptx
+++ b/android/layout/linear/doc/slides.pptx
@@ -200,7 +200,7 @@
           <a:p>
             <a:fld id="{CEBE566C-47BC-46F9-8335-90252F2DBCB4}" type="datetimeFigureOut">
               <a:rPr lang="en-US" smtClean="0"/>
-              <a:t>7/30/2015</a:t>
+              <a:t>8/6/2015</a:t>
             </a:fld>
             <a:endParaRPr lang="en-US"/>
           </a:p>
@@ -4093,7 +4093,7 @@
       </p:sp>
       <p:pic>
         <p:nvPicPr>
-          <p:cNvPr id="7" name="Picture 6"/>
+          <p:cNvPr id="2" name="Picture 1"/>
           <p:cNvPicPr>
             <a:picLocks noChangeAspect="1"/>
           </p:cNvPicPr>
@@ -4113,8 +4113,8 @@
         </p:blipFill>
         <p:spPr>
           <a:xfrm>
-            <a:off x="838200" y="1569164"/>
-            <a:ext cx="3857625" cy="4776651"/>
+            <a:off x="1339895" y="1524000"/>
+            <a:ext cx="2824028" cy="5020492"/>
           </a:xfrm>
           <a:prstGeom prst="rect">
             <a:avLst/>
@@ -4123,7 +4123,7 @@
       </p:pic>
       <p:pic>
         <p:nvPicPr>
-          <p:cNvPr id="8" name="Picture 7"/>
+          <p:cNvPr id="9" name="Picture 8"/>
           <p:cNvPicPr>
             <a:picLocks noChangeAspect="1"/>
           </p:cNvPicPr>
@@ -4143,8 +4143,8 @@
         </p:blipFill>
         <p:spPr>
           <a:xfrm>
-            <a:off x="4789714" y="1569164"/>
-            <a:ext cx="6126526" cy="2929346"/>
+            <a:off x="4438858" y="1524000"/>
+            <a:ext cx="5778732" cy="3250536"/>
           </a:xfrm>
           <a:prstGeom prst="rect">
             <a:avLst/>
